--- a/ppts/Lesson 4.pptx
+++ b/ppts/Lesson 4.pptx
@@ -5,7 +5,7 @@
     <p:sldMasterId id="2147483648" r:id="rId1"/>
   </p:sldMasterIdLst>
   <p:notesMasterIdLst>
-    <p:notesMasterId r:id="rId7"/>
+    <p:notesMasterId r:id="rId8"/>
   </p:notesMasterIdLst>
   <p:sldIdLst>
     <p:sldId id="256" r:id="rId2"/>
@@ -13,6 +13,7 @@
     <p:sldId id="259" r:id="rId4"/>
     <p:sldId id="258" r:id="rId5"/>
     <p:sldId id="260" r:id="rId6"/>
+    <p:sldId id="261" r:id="rId7"/>
   </p:sldIdLst>
   <p:sldSz cx="12192000" cy="6858000"/>
   <p:notesSz cx="6858000" cy="9144000"/>
@@ -111,6 +112,11 @@
       </a:defRPr>
     </a:lvl9pPr>
   </p:defaultTextStyle>
+  <p:extLst>
+    <p:ext uri="{EFAFB233-063F-42B5-8137-9DF3F51BA10A}">
+      <p15:sldGuideLst xmlns:p15="http://schemas.microsoft.com/office/powerpoint/2012/main"/>
+    </p:ext>
+  </p:extLst>
 </p:presentation>
 </file>
 
@@ -196,7 +202,7 @@
           <a:p>
             <a:fld id="{6E167551-845F-4EEF-9D1C-AD0094ADB8DA}" type="datetimeFigureOut">
               <a:rPr lang="en-US" smtClean="0"/>
-              <a:t>5/9/2018</a:t>
+              <a:t>5/10/2018</a:t>
             </a:fld>
             <a:endParaRPr lang="en-US"/>
           </a:p>
@@ -781,7 +787,7 @@
           <a:p>
             <a:fld id="{BF305872-C34E-4679-9B82-6654CBCA3312}" type="datetimeFigureOut">
               <a:rPr lang="en-US" smtClean="0"/>
-              <a:t>5/9/2018</a:t>
+              <a:t>5/10/2018</a:t>
             </a:fld>
             <a:endParaRPr lang="en-US"/>
           </a:p>
@@ -979,7 +985,7 @@
           <a:p>
             <a:fld id="{BF305872-C34E-4679-9B82-6654CBCA3312}" type="datetimeFigureOut">
               <a:rPr lang="en-US" smtClean="0"/>
-              <a:t>5/9/2018</a:t>
+              <a:t>5/10/2018</a:t>
             </a:fld>
             <a:endParaRPr lang="en-US"/>
           </a:p>
@@ -1187,7 +1193,7 @@
           <a:p>
             <a:fld id="{BF305872-C34E-4679-9B82-6654CBCA3312}" type="datetimeFigureOut">
               <a:rPr lang="en-US" smtClean="0"/>
-              <a:t>5/9/2018</a:t>
+              <a:t>5/10/2018</a:t>
             </a:fld>
             <a:endParaRPr lang="en-US"/>
           </a:p>
@@ -1385,7 +1391,7 @@
           <a:p>
             <a:fld id="{BF305872-C34E-4679-9B82-6654CBCA3312}" type="datetimeFigureOut">
               <a:rPr lang="en-US" smtClean="0"/>
-              <a:t>5/9/2018</a:t>
+              <a:t>5/10/2018</a:t>
             </a:fld>
             <a:endParaRPr lang="en-US"/>
           </a:p>
@@ -1660,7 +1666,7 @@
           <a:p>
             <a:fld id="{BF305872-C34E-4679-9B82-6654CBCA3312}" type="datetimeFigureOut">
               <a:rPr lang="en-US" smtClean="0"/>
-              <a:t>5/9/2018</a:t>
+              <a:t>5/10/2018</a:t>
             </a:fld>
             <a:endParaRPr lang="en-US"/>
           </a:p>
@@ -1925,7 +1931,7 @@
           <a:p>
             <a:fld id="{BF305872-C34E-4679-9B82-6654CBCA3312}" type="datetimeFigureOut">
               <a:rPr lang="en-US" smtClean="0"/>
-              <a:t>5/9/2018</a:t>
+              <a:t>5/10/2018</a:t>
             </a:fld>
             <a:endParaRPr lang="en-US"/>
           </a:p>
@@ -2337,7 +2343,7 @@
           <a:p>
             <a:fld id="{BF305872-C34E-4679-9B82-6654CBCA3312}" type="datetimeFigureOut">
               <a:rPr lang="en-US" smtClean="0"/>
-              <a:t>5/9/2018</a:t>
+              <a:t>5/10/2018</a:t>
             </a:fld>
             <a:endParaRPr lang="en-US"/>
           </a:p>
@@ -2478,7 +2484,7 @@
           <a:p>
             <a:fld id="{BF305872-C34E-4679-9B82-6654CBCA3312}" type="datetimeFigureOut">
               <a:rPr lang="en-US" smtClean="0"/>
-              <a:t>5/9/2018</a:t>
+              <a:t>5/10/2018</a:t>
             </a:fld>
             <a:endParaRPr lang="en-US"/>
           </a:p>
@@ -2591,7 +2597,7 @@
           <a:p>
             <a:fld id="{BF305872-C34E-4679-9B82-6654CBCA3312}" type="datetimeFigureOut">
               <a:rPr lang="en-US" smtClean="0"/>
-              <a:t>5/9/2018</a:t>
+              <a:t>5/10/2018</a:t>
             </a:fld>
             <a:endParaRPr lang="en-US"/>
           </a:p>
@@ -2902,7 +2908,7 @@
           <a:p>
             <a:fld id="{BF305872-C34E-4679-9B82-6654CBCA3312}" type="datetimeFigureOut">
               <a:rPr lang="en-US" smtClean="0"/>
-              <a:t>5/9/2018</a:t>
+              <a:t>5/10/2018</a:t>
             </a:fld>
             <a:endParaRPr lang="en-US"/>
           </a:p>
@@ -3190,7 +3196,7 @@
           <a:p>
             <a:fld id="{BF305872-C34E-4679-9B82-6654CBCA3312}" type="datetimeFigureOut">
               <a:rPr lang="en-US" smtClean="0"/>
-              <a:t>5/9/2018</a:t>
+              <a:t>5/10/2018</a:t>
             </a:fld>
             <a:endParaRPr lang="en-US"/>
           </a:p>
@@ -3431,7 +3437,7 @@
           <a:p>
             <a:fld id="{BF305872-C34E-4679-9B82-6654CBCA3312}" type="datetimeFigureOut">
               <a:rPr lang="en-US" smtClean="0"/>
-              <a:t>5/9/2018</a:t>
+              <a:t>5/10/2018</a:t>
             </a:fld>
             <a:endParaRPr lang="en-US"/>
           </a:p>
@@ -5108,19 +5114,242 @@
             <p:ph idx="1"/>
           </p:nvPr>
         </p:nvSpPr>
-        <p:spPr/>
+        <p:spPr>
+          <a:xfrm>
+            <a:off x="838200" y="1825625"/>
+            <a:ext cx="4069702" cy="4351338"/>
+          </a:xfrm>
+        </p:spPr>
         <p:txBody>
           <a:bodyPr/>
           <a:lstStyle/>
           <a:p>
-            <a:endParaRPr lang="en-US"/>
-          </a:p>
-        </p:txBody>
-      </p:sp>
+            <a:r>
+              <a:rPr lang="en-US" dirty="0"/>
+              <a:t>Well it doesn’t really matter.</a:t>
+            </a:r>
+          </a:p>
+          <a:p>
+            <a:pPr lvl="1"/>
+            <a:r>
+              <a:rPr lang="en-US" dirty="0">
+                <a:hlinkClick r:id="rId2"/>
+              </a:rPr>
+              <a:t>https://software.intel.com/en-us/mkl-developer-reference-c-gelsd</a:t>
+            </a:r>
+            <a:endParaRPr lang="en-US" dirty="0"/>
+          </a:p>
+          <a:p>
+            <a:pPr lvl="1"/>
+            <a:r>
+              <a:rPr lang="en-US" dirty="0">
+                <a:hlinkClick r:id="rId3"/>
+              </a:rPr>
+              <a:t>https://software.intel.com/en-us/mkl-developer-reference-c-gelsy</a:t>
+            </a:r>
+            <a:endParaRPr lang="en-US" dirty="0"/>
+          </a:p>
+          <a:p>
+            <a:r>
+              <a:rPr lang="en-US" dirty="0"/>
+              <a:t>Uses algorithms which do matrix inverse operations.</a:t>
+            </a:r>
+          </a:p>
+        </p:txBody>
+      </p:sp>
+      <p:pic>
+        <p:nvPicPr>
+          <p:cNvPr id="4" name="Picture 3">
+            <a:extLst>
+              <a:ext uri="{FF2B5EF4-FFF2-40B4-BE49-F238E27FC236}">
+                <a16:creationId xmlns:a16="http://schemas.microsoft.com/office/drawing/2014/main" id="{FFC4C7B4-7177-4972-8808-B384C8C1C10A}"/>
+              </a:ext>
+            </a:extLst>
+          </p:cNvPr>
+          <p:cNvPicPr>
+            <a:picLocks noChangeAspect="1"/>
+          </p:cNvPicPr>
+          <p:nvPr/>
+        </p:nvPicPr>
+        <p:blipFill>
+          <a:blip r:embed="rId4"/>
+          <a:stretch>
+            <a:fillRect/>
+          </a:stretch>
+        </p:blipFill>
+        <p:spPr>
+          <a:xfrm>
+            <a:off x="5044899" y="1996751"/>
+            <a:ext cx="6308901" cy="3453201"/>
+          </a:xfrm>
+          <a:prstGeom prst="rect">
+            <a:avLst/>
+          </a:prstGeom>
+        </p:spPr>
+      </p:pic>
     </p:spTree>
     <p:extLst>
       <p:ext uri="{BB962C8B-B14F-4D97-AF65-F5344CB8AC3E}">
         <p14:creationId xmlns:p14="http://schemas.microsoft.com/office/powerpoint/2010/main" val="1596162052"/>
+      </p:ext>
+    </p:extLst>
+  </p:cSld>
+  <p:clrMapOvr>
+    <a:masterClrMapping/>
+  </p:clrMapOvr>
+</p:sld>
+</file>
+
+<file path=ppt/slides/slide6.xml><?xml version="1.0" encoding="utf-8"?>
+<p:sld xmlns:a="http://schemas.openxmlformats.org/drawingml/2006/main" xmlns:r="http://schemas.openxmlformats.org/officeDocument/2006/relationships" xmlns:p="http://schemas.openxmlformats.org/presentationml/2006/main">
+  <p:cSld>
+    <p:spTree>
+      <p:nvGrpSpPr>
+        <p:cNvPr id="1" name=""/>
+        <p:cNvGrpSpPr/>
+        <p:nvPr/>
+      </p:nvGrpSpPr>
+      <p:grpSpPr>
+        <a:xfrm>
+          <a:off x="0" y="0"/>
+          <a:ext cx="0" cy="0"/>
+          <a:chOff x="0" y="0"/>
+          <a:chExt cx="0" cy="0"/>
+        </a:xfrm>
+      </p:grpSpPr>
+      <p:sp>
+        <p:nvSpPr>
+          <p:cNvPr id="2" name="Title 1">
+            <a:extLst>
+              <a:ext uri="{FF2B5EF4-FFF2-40B4-BE49-F238E27FC236}">
+                <a16:creationId xmlns:a16="http://schemas.microsoft.com/office/drawing/2014/main" id="{A8FA688B-AB62-49FB-97FE-E44BB9990BB9}"/>
+              </a:ext>
+            </a:extLst>
+          </p:cNvPr>
+          <p:cNvSpPr>
+            <a:spLocks noGrp="1"/>
+          </p:cNvSpPr>
+          <p:nvPr>
+            <p:ph type="title"/>
+          </p:nvPr>
+        </p:nvSpPr>
+        <p:spPr/>
+        <p:txBody>
+          <a:bodyPr/>
+          <a:lstStyle/>
+          <a:p>
+            <a:r>
+              <a:rPr lang="en-US" dirty="0"/>
+              <a:t>Linear Regression Derivatives</a:t>
+            </a:r>
+          </a:p>
+        </p:txBody>
+      </p:sp>
+      <p:sp>
+        <p:nvSpPr>
+          <p:cNvPr id="3" name="Content Placeholder 2">
+            <a:extLst>
+              <a:ext uri="{FF2B5EF4-FFF2-40B4-BE49-F238E27FC236}">
+                <a16:creationId xmlns:a16="http://schemas.microsoft.com/office/drawing/2014/main" id="{D31AF5E4-413F-4336-9AB2-4B5B1F540BDC}"/>
+              </a:ext>
+            </a:extLst>
+          </p:cNvPr>
+          <p:cNvSpPr>
+            <a:spLocks noGrp="1"/>
+          </p:cNvSpPr>
+          <p:nvPr>
+            <p:ph idx="1"/>
+          </p:nvPr>
+        </p:nvSpPr>
+        <p:spPr>
+          <a:xfrm>
+            <a:off x="838200" y="1825625"/>
+            <a:ext cx="6510556" cy="4351338"/>
+          </a:xfrm>
+        </p:spPr>
+        <p:txBody>
+          <a:bodyPr/>
+          <a:lstStyle/>
+          <a:p>
+            <a:r>
+              <a:rPr lang="en-US" dirty="0">
+                <a:hlinkClick r:id="rId2"/>
+              </a:rPr>
+              <a:t>http://scikit-learn.org/stable/modules/linear_model.html</a:t>
+            </a:r>
+            <a:endParaRPr lang="en-US" dirty="0"/>
+          </a:p>
+          <a:p>
+            <a:r>
+              <a:rPr lang="en-US" dirty="0"/>
+              <a:t>Ridge Regression</a:t>
+            </a:r>
+          </a:p>
+          <a:p>
+            <a:r>
+              <a:rPr lang="en-US" dirty="0"/>
+              <a:t>Lasso</a:t>
+            </a:r>
+          </a:p>
+          <a:p>
+            <a:r>
+              <a:rPr lang="en-US" dirty="0"/>
+              <a:t>Elastic Net</a:t>
+            </a:r>
+          </a:p>
+        </p:txBody>
+      </p:sp>
+      <p:pic>
+        <p:nvPicPr>
+          <p:cNvPr id="1026" name="Picture 2" descr="../_images/sphx_glr_plot_ridge_path_0011.png">
+            <a:extLst>
+              <a:ext uri="{FF2B5EF4-FFF2-40B4-BE49-F238E27FC236}">
+                <a16:creationId xmlns:a16="http://schemas.microsoft.com/office/drawing/2014/main" id="{40F27895-DD73-4BEA-88AD-F837D0DE0A42}"/>
+              </a:ext>
+            </a:extLst>
+          </p:cNvPr>
+          <p:cNvPicPr>
+            <a:picLocks noChangeAspect="1" noChangeArrowheads="1"/>
+          </p:cNvPicPr>
+          <p:nvPr/>
+        </p:nvPicPr>
+        <p:blipFill>
+          <a:blip r:embed="rId3">
+            <a:extLst>
+              <a:ext uri="{28A0092B-C50C-407E-A947-70E740481C1C}">
+                <a14:useLocalDpi xmlns:a14="http://schemas.microsoft.com/office/drawing/2010/main" val="0"/>
+              </a:ext>
+            </a:extLst>
+          </a:blip>
+          <a:srcRect/>
+          <a:stretch>
+            <a:fillRect/>
+          </a:stretch>
+        </p:blipFill>
+        <p:spPr bwMode="auto">
+          <a:xfrm>
+            <a:off x="5085668" y="2609371"/>
+            <a:ext cx="5178005" cy="3883504"/>
+          </a:xfrm>
+          <a:prstGeom prst="rect">
+            <a:avLst/>
+          </a:prstGeom>
+          <a:noFill/>
+          <a:extLst>
+            <a:ext uri="{909E8E84-426E-40DD-AFC4-6F175D3DCCD1}">
+              <a14:hiddenFill xmlns:a14="http://schemas.microsoft.com/office/drawing/2010/main">
+                <a:solidFill>
+                  <a:srgbClr val="FFFFFF"/>
+                </a:solidFill>
+              </a14:hiddenFill>
+            </a:ext>
+          </a:extLst>
+        </p:spPr>
+      </p:pic>
+    </p:spTree>
+    <p:extLst>
+      <p:ext uri="{BB962C8B-B14F-4D97-AF65-F5344CB8AC3E}">
+        <p14:creationId xmlns:p14="http://schemas.microsoft.com/office/powerpoint/2010/main" val="4216684477"/>
       </p:ext>
     </p:extLst>
   </p:cSld>
